--- a/Стандартні плакати (2).pptx
+++ b/Стандартні плакати (2).pptx
@@ -111,7 +111,7 @@
   </p:defaultTextStyle>
   <p:extLst>
     <p:ext uri="{EFAFB233-063F-42B5-8137-9DF3F51BA10A}">
-      <p15:sldGuideLst xmlns:p15="http://schemas.microsoft.com/office/powerpoint/2012/main" xmlns=""/>
+      <p15:sldGuideLst xmlns="" xmlns:p15="http://schemas.microsoft.com/office/powerpoint/2012/main"/>
     </p:ext>
   </p:extLst>
 </p:presentation>
@@ -248,7 +248,7 @@
           <a:p>
             <a:fld id="{966F3F37-EBA9-44FC-84C5-8C3AE00AA806}" type="datetimeFigureOut">
               <a:rPr lang="en-US" smtClean="0"/>
-              <a:t>6/18/2017</a:t>
+              <a:t>6/19/2017</a:t>
             </a:fld>
             <a:endParaRPr lang="en-US"/>
           </a:p>
@@ -418,7 +418,7 @@
           <a:p>
             <a:fld id="{966F3F37-EBA9-44FC-84C5-8C3AE00AA806}" type="datetimeFigureOut">
               <a:rPr lang="en-US" smtClean="0"/>
-              <a:t>6/18/2017</a:t>
+              <a:t>6/19/2017</a:t>
             </a:fld>
             <a:endParaRPr lang="en-US"/>
           </a:p>
@@ -598,7 +598,7 @@
           <a:p>
             <a:fld id="{966F3F37-EBA9-44FC-84C5-8C3AE00AA806}" type="datetimeFigureOut">
               <a:rPr lang="en-US" smtClean="0"/>
-              <a:t>6/18/2017</a:t>
+              <a:t>6/19/2017</a:t>
             </a:fld>
             <a:endParaRPr lang="en-US"/>
           </a:p>
@@ -768,7 +768,7 @@
           <a:p>
             <a:fld id="{966F3F37-EBA9-44FC-84C5-8C3AE00AA806}" type="datetimeFigureOut">
               <a:rPr lang="en-US" smtClean="0"/>
-              <a:t>6/18/2017</a:t>
+              <a:t>6/19/2017</a:t>
             </a:fld>
             <a:endParaRPr lang="en-US"/>
           </a:p>
@@ -1012,7 +1012,7 @@
           <a:p>
             <a:fld id="{966F3F37-EBA9-44FC-84C5-8C3AE00AA806}" type="datetimeFigureOut">
               <a:rPr lang="en-US" smtClean="0"/>
-              <a:t>6/18/2017</a:t>
+              <a:t>6/19/2017</a:t>
             </a:fld>
             <a:endParaRPr lang="en-US"/>
           </a:p>
@@ -1244,7 +1244,7 @@
           <a:p>
             <a:fld id="{966F3F37-EBA9-44FC-84C5-8C3AE00AA806}" type="datetimeFigureOut">
               <a:rPr lang="en-US" smtClean="0"/>
-              <a:t>6/18/2017</a:t>
+              <a:t>6/19/2017</a:t>
             </a:fld>
             <a:endParaRPr lang="en-US"/>
           </a:p>
@@ -1611,7 +1611,7 @@
           <a:p>
             <a:fld id="{966F3F37-EBA9-44FC-84C5-8C3AE00AA806}" type="datetimeFigureOut">
               <a:rPr lang="en-US" smtClean="0"/>
-              <a:t>6/18/2017</a:t>
+              <a:t>6/19/2017</a:t>
             </a:fld>
             <a:endParaRPr lang="en-US"/>
           </a:p>
@@ -1729,7 +1729,7 @@
           <a:p>
             <a:fld id="{966F3F37-EBA9-44FC-84C5-8C3AE00AA806}" type="datetimeFigureOut">
               <a:rPr lang="en-US" smtClean="0"/>
-              <a:t>6/18/2017</a:t>
+              <a:t>6/19/2017</a:t>
             </a:fld>
             <a:endParaRPr lang="en-US"/>
           </a:p>
@@ -1824,7 +1824,7 @@
           <a:p>
             <a:fld id="{966F3F37-EBA9-44FC-84C5-8C3AE00AA806}" type="datetimeFigureOut">
               <a:rPr lang="en-US" smtClean="0"/>
-              <a:t>6/18/2017</a:t>
+              <a:t>6/19/2017</a:t>
             </a:fld>
             <a:endParaRPr lang="en-US"/>
           </a:p>
@@ -2101,7 +2101,7 @@
           <a:p>
             <a:fld id="{966F3F37-EBA9-44FC-84C5-8C3AE00AA806}" type="datetimeFigureOut">
               <a:rPr lang="en-US" smtClean="0"/>
-              <a:t>6/18/2017</a:t>
+              <a:t>6/19/2017</a:t>
             </a:fld>
             <a:endParaRPr lang="en-US"/>
           </a:p>
@@ -2358,7 +2358,7 @@
           <a:p>
             <a:fld id="{966F3F37-EBA9-44FC-84C5-8C3AE00AA806}" type="datetimeFigureOut">
               <a:rPr lang="en-US" smtClean="0"/>
-              <a:t>6/18/2017</a:t>
+              <a:t>6/19/2017</a:t>
             </a:fld>
             <a:endParaRPr lang="en-US"/>
           </a:p>
@@ -2571,7 +2571,7 @@
           <a:p>
             <a:fld id="{966F3F37-EBA9-44FC-84C5-8C3AE00AA806}" type="datetimeFigureOut">
               <a:rPr lang="en-US" smtClean="0"/>
-              <a:t>6/18/2017</a:t>
+              <a:t>6/19/2017</a:t>
             </a:fld>
             <a:endParaRPr lang="en-US"/>
           </a:p>
@@ -3515,7 +3515,7 @@
         </p:blipFill>
         <p:spPr bwMode="auto">
           <a:xfrm>
-            <a:off x="5718494" y="10386377"/>
+            <a:off x="5868894" y="10729277"/>
             <a:ext cx="10502583" cy="8816530"/>
           </a:xfrm>
           <a:prstGeom prst="rect">
@@ -4398,7 +4398,7 @@
         </p:blipFill>
         <p:spPr>
           <a:xfrm>
-            <a:off x="1459546" y="2830354"/>
+            <a:off x="1459546" y="3459004"/>
             <a:ext cx="9488864" cy="5691346"/>
           </a:xfrm>
           <a:prstGeom prst="rect">
@@ -4419,7 +4419,7 @@
         </p:blipFill>
         <p:spPr bwMode="auto">
           <a:xfrm>
-            <a:off x="11573549" y="2830354"/>
+            <a:off x="11573548" y="3513238"/>
             <a:ext cx="8448229" cy="5691346"/>
           </a:xfrm>
           <a:prstGeom prst="rect">
@@ -4458,8 +4458,8 @@
         </p:blipFill>
         <p:spPr bwMode="auto">
           <a:xfrm>
-            <a:off x="1459544" y="8750299"/>
-            <a:ext cx="3712529" cy="10506307"/>
+            <a:off x="1688146" y="9376034"/>
+            <a:ext cx="3270398" cy="9255095"/>
           </a:xfrm>
           <a:prstGeom prst="rect">
             <a:avLst/>
@@ -4513,8 +4513,8 @@
         </p:blipFill>
         <p:spPr>
           <a:xfrm>
-            <a:off x="5462279" y="10277589"/>
-            <a:ext cx="14559500" cy="7451725"/>
+            <a:off x="5310105" y="10772776"/>
+            <a:ext cx="15353989" cy="7858354"/>
           </a:xfrm>
           <a:prstGeom prst="rect">
             <a:avLst/>
@@ -4535,8 +4535,8 @@
         </p:blipFill>
         <p:spPr>
           <a:xfrm>
-            <a:off x="1944126" y="19785806"/>
-            <a:ext cx="6455895" cy="9246394"/>
+            <a:off x="1944126" y="18843028"/>
+            <a:ext cx="7114149" cy="10189172"/>
           </a:xfrm>
           <a:prstGeom prst="rect">
             <a:avLst/>
@@ -4566,8 +4566,8 @@
         </p:blipFill>
         <p:spPr bwMode="auto">
           <a:xfrm>
-            <a:off x="9988231" y="19785806"/>
-            <a:ext cx="9202641" cy="9246394"/>
+            <a:off x="9988231" y="18843028"/>
+            <a:ext cx="10140958" cy="10189172"/>
           </a:xfrm>
           <a:prstGeom prst="rect">
             <a:avLst/>
@@ -4619,7 +4619,7 @@
         </p:nvSpPr>
         <p:spPr>
           <a:xfrm>
-            <a:off x="2492899" y="441736"/>
+            <a:off x="2492899" y="584611"/>
             <a:ext cx="16911022" cy="2331468"/>
           </a:xfrm>
         </p:spPr>
@@ -4636,11 +4636,23 @@
             </a:r>
             <a:r>
               <a:rPr lang="uk-UA" dirty="0" err="1" smtClean="0"/>
-              <a:t>скакування</a:t>
+              <a:t>ска</a:t>
+            </a:r>
+            <a:r>
+              <a:rPr lang="ru-RU" dirty="0"/>
+              <a:t>н</a:t>
+            </a:r>
+            <a:r>
+              <a:rPr lang="uk-UA" dirty="0" err="1" smtClean="0"/>
+              <a:t>ування</a:t>
             </a:r>
             <a:r>
               <a:rPr lang="uk-UA" dirty="0" smtClean="0"/>
-              <a:t> за допомогою </a:t>
+              <a:t> </a:t>
+            </a:r>
+            <a:r>
+              <a:rPr lang="uk-UA" dirty="0" smtClean="0"/>
+              <a:t>за допомогою </a:t>
             </a:r>
             <a:r>
               <a:rPr lang="en-US" dirty="0" err="1" smtClean="0"/>
@@ -4918,7 +4930,7 @@
   <a:extraClrSchemeLst/>
   <a:extLst>
     <a:ext uri="{05A4C25C-085E-4340-85A3-A5531E510DB2}">
-      <thm15:themeFamily xmlns:thm15="http://schemas.microsoft.com/office/thememl/2012/main" xmlns="" name="Office Theme" id="{62F939B6-93AF-4DB8-9C6B-D6C7DFDC589F}" vid="{4A3C46E8-61CC-4603-A589-7422A47A8E4A}"/>
+      <thm15:themeFamily xmlns="" xmlns:thm15="http://schemas.microsoft.com/office/thememl/2012/main" name="Office Theme" id="{62F939B6-93AF-4DB8-9C6B-D6C7DFDC589F}" vid="{4A3C46E8-61CC-4603-A589-7422A47A8E4A}"/>
     </a:ext>
   </a:extLst>
 </a:theme>
